--- a/assets/img/pics for portfolio.pptx
+++ b/assets/img/pics for portfolio.pptx
@@ -17,10 +17,6 @@
     <p:sldId id="264" r:id="rId11"/>
     <p:sldId id="265" r:id="rId12"/>
     <p:sldId id="266" r:id="rId13"/>
-    <p:sldId id="267" r:id="rId14"/>
-    <p:sldId id="268" r:id="rId15"/>
-    <p:sldId id="269" r:id="rId16"/>
-    <p:sldId id="270" r:id="rId17"/>
   </p:sldIdLst>
   <p:sldSz cx="7199313" cy="7199313"/>
   <p:notesSz cx="6858000" cy="9144000"/>
@@ -258,7 +254,7 @@
           <a:p>
             <a:fld id="{18177C51-ABF4-4A4E-9F3A-F25A8E81AB70}" type="datetimeFigureOut">
               <a:rPr lang="en-US" smtClean="0"/>
-              <a:t>9/25/2021</a:t>
+              <a:t>9/26/2021</a:t>
             </a:fld>
             <a:endParaRPr lang="en-US"/>
           </a:p>
@@ -515,7 +511,7 @@
           <a:p>
             <a:fld id="{18177C51-ABF4-4A4E-9F3A-F25A8E81AB70}" type="datetimeFigureOut">
               <a:rPr lang="en-US" smtClean="0"/>
-              <a:t>9/25/2021</a:t>
+              <a:t>9/26/2021</a:t>
             </a:fld>
             <a:endParaRPr lang="en-US"/>
           </a:p>
@@ -685,7 +681,7 @@
           <a:p>
             <a:fld id="{18177C51-ABF4-4A4E-9F3A-F25A8E81AB70}" type="datetimeFigureOut">
               <a:rPr lang="en-US" smtClean="0"/>
-              <a:t>9/25/2021</a:t>
+              <a:t>9/26/2021</a:t>
             </a:fld>
             <a:endParaRPr lang="en-US"/>
           </a:p>
@@ -865,7 +861,7 @@
           <a:p>
             <a:fld id="{18177C51-ABF4-4A4E-9F3A-F25A8E81AB70}" type="datetimeFigureOut">
               <a:rPr lang="en-US" smtClean="0"/>
-              <a:t>9/25/2021</a:t>
+              <a:t>9/26/2021</a:t>
             </a:fld>
             <a:endParaRPr lang="en-US"/>
           </a:p>
@@ -1035,7 +1031,7 @@
           <a:p>
             <a:fld id="{18177C51-ABF4-4A4E-9F3A-F25A8E81AB70}" type="datetimeFigureOut">
               <a:rPr lang="en-US" smtClean="0"/>
-              <a:t>9/25/2021</a:t>
+              <a:t>9/26/2021</a:t>
             </a:fld>
             <a:endParaRPr lang="en-US"/>
           </a:p>
@@ -1279,7 +1275,7 @@
           <a:p>
             <a:fld id="{18177C51-ABF4-4A4E-9F3A-F25A8E81AB70}" type="datetimeFigureOut">
               <a:rPr lang="en-US" smtClean="0"/>
-              <a:t>9/25/2021</a:t>
+              <a:t>9/26/2021</a:t>
             </a:fld>
             <a:endParaRPr lang="en-US"/>
           </a:p>
@@ -1511,7 +1507,7 @@
           <a:p>
             <a:fld id="{18177C51-ABF4-4A4E-9F3A-F25A8E81AB70}" type="datetimeFigureOut">
               <a:rPr lang="en-US" smtClean="0"/>
-              <a:t>9/25/2021</a:t>
+              <a:t>9/26/2021</a:t>
             </a:fld>
             <a:endParaRPr lang="en-US"/>
           </a:p>
@@ -1878,7 +1874,7 @@
           <a:p>
             <a:fld id="{18177C51-ABF4-4A4E-9F3A-F25A8E81AB70}" type="datetimeFigureOut">
               <a:rPr lang="en-US" smtClean="0"/>
-              <a:t>9/25/2021</a:t>
+              <a:t>9/26/2021</a:t>
             </a:fld>
             <a:endParaRPr lang="en-US"/>
           </a:p>
@@ -1996,7 +1992,7 @@
           <a:p>
             <a:fld id="{18177C51-ABF4-4A4E-9F3A-F25A8E81AB70}" type="datetimeFigureOut">
               <a:rPr lang="en-US" smtClean="0"/>
-              <a:t>9/25/2021</a:t>
+              <a:t>9/26/2021</a:t>
             </a:fld>
             <a:endParaRPr lang="en-US"/>
           </a:p>
@@ -2168,7 +2164,7 @@
           <a:p>
             <a:fld id="{18177C51-ABF4-4A4E-9F3A-F25A8E81AB70}" type="datetimeFigureOut">
               <a:rPr lang="en-US" smtClean="0"/>
-              <a:t>9/25/2021</a:t>
+              <a:t>9/26/2021</a:t>
             </a:fld>
             <a:endParaRPr lang="en-US"/>
           </a:p>
@@ -2445,7 +2441,7 @@
           <a:p>
             <a:fld id="{18177C51-ABF4-4A4E-9F3A-F25A8E81AB70}" type="datetimeFigureOut">
               <a:rPr lang="en-US" smtClean="0"/>
-              <a:t>9/25/2021</a:t>
+              <a:t>9/26/2021</a:t>
             </a:fld>
             <a:endParaRPr lang="en-US"/>
           </a:p>
@@ -2658,7 +2654,7 @@
           <a:p>
             <a:fld id="{18177C51-ABF4-4A4E-9F3A-F25A8E81AB70}" type="datetimeFigureOut">
               <a:rPr lang="en-US" smtClean="0"/>
-              <a:t>9/25/2021</a:t>
+              <a:t>9/26/2021</a:t>
             </a:fld>
             <a:endParaRPr lang="en-US"/>
           </a:p>
@@ -3311,744 +3307,6 @@
 </p:sld>
 </file>
 
-<file path=ppt/slides/slide13.xml><?xml version="1.0" encoding="utf-8"?>
-<p:sld xmlns:a="http://schemas.openxmlformats.org/drawingml/2006/main" xmlns:r="http://schemas.openxmlformats.org/officeDocument/2006/relationships" xmlns:p="http://schemas.openxmlformats.org/presentationml/2006/main">
-  <p:cSld>
-    <p:spTree>
-      <p:nvGrpSpPr>
-        <p:cNvPr id="1" name=""/>
-        <p:cNvGrpSpPr/>
-        <p:nvPr/>
-      </p:nvGrpSpPr>
-      <p:grpSpPr>
-        <a:xfrm>
-          <a:off x="0" y="0"/>
-          <a:ext cx="0" cy="0"/>
-          <a:chOff x="0" y="0"/>
-          <a:chExt cx="0" cy="0"/>
-        </a:xfrm>
-      </p:grpSpPr>
-      <p:grpSp>
-        <p:nvGrpSpPr>
-          <p:cNvPr id="7" name="Group 6">
-            <a:extLst>
-              <a:ext uri="{FF2B5EF4-FFF2-40B4-BE49-F238E27FC236}">
-                <a16:creationId xmlns:a16="http://schemas.microsoft.com/office/drawing/2014/main" id="{1657C742-4573-40B1-9308-A3BC2D301D3A}"/>
-              </a:ext>
-            </a:extLst>
-          </p:cNvPr>
-          <p:cNvGrpSpPr/>
-          <p:nvPr/>
-        </p:nvGrpSpPr>
-        <p:grpSpPr>
-          <a:xfrm>
-            <a:off x="335526" y="348583"/>
-            <a:ext cx="6528260" cy="6502146"/>
-            <a:chOff x="335526" y="348583"/>
-            <a:chExt cx="6528260" cy="6502146"/>
-          </a:xfrm>
-        </p:grpSpPr>
-        <p:pic>
-          <p:nvPicPr>
-            <p:cNvPr id="6" name="Picture 5">
-              <a:extLst>
-                <a:ext uri="{FF2B5EF4-FFF2-40B4-BE49-F238E27FC236}">
-                  <a16:creationId xmlns:a16="http://schemas.microsoft.com/office/drawing/2014/main" id="{80BA35EC-E9F7-4DEC-93B0-93232414706C}"/>
-                </a:ext>
-              </a:extLst>
-            </p:cNvPr>
-            <p:cNvPicPr>
-              <a:picLocks noChangeAspect="1"/>
-            </p:cNvPicPr>
-            <p:nvPr/>
-          </p:nvPicPr>
-          <p:blipFill>
-            <a:blip r:embed="rId2">
-              <a:extLst>
-                <a:ext uri="{28A0092B-C50C-407E-A947-70E740481C1C}">
-                  <a14:useLocalDpi xmlns:a14="http://schemas.microsoft.com/office/drawing/2010/main" val="0"/>
-                </a:ext>
-              </a:extLst>
-            </a:blip>
-            <a:stretch>
-              <a:fillRect/>
-            </a:stretch>
-          </p:blipFill>
-          <p:spPr>
-            <a:xfrm>
-              <a:off x="335526" y="348583"/>
-              <a:ext cx="6528260" cy="6502146"/>
-            </a:xfrm>
-            <a:prstGeom prst="rect">
-              <a:avLst/>
-            </a:prstGeom>
-            <a:effectLst>
-              <a:innerShdw blurRad="114300">
-                <a:prstClr val="black"/>
-              </a:innerShdw>
-            </a:effectLst>
-          </p:spPr>
-        </p:pic>
-        <p:pic>
-          <p:nvPicPr>
-            <p:cNvPr id="2" name="Picture 1">
-              <a:extLst>
-                <a:ext uri="{FF2B5EF4-FFF2-40B4-BE49-F238E27FC236}">
-                  <a16:creationId xmlns:a16="http://schemas.microsoft.com/office/drawing/2014/main" id="{77E7BF40-9667-4F46-B595-95DA0CE8048A}"/>
-                </a:ext>
-              </a:extLst>
-            </p:cNvPr>
-            <p:cNvPicPr>
-              <a:picLocks noChangeAspect="1"/>
-            </p:cNvPicPr>
-            <p:nvPr/>
-          </p:nvPicPr>
-          <p:blipFill>
-            <a:blip r:embed="rId3">
-              <a:extLst>
-                <a:ext uri="{28A0092B-C50C-407E-A947-70E740481C1C}">
-                  <a14:useLocalDpi xmlns:a14="http://schemas.microsoft.com/office/drawing/2010/main" val="0"/>
-                </a:ext>
-              </a:extLst>
-            </a:blip>
-            <a:stretch>
-              <a:fillRect/>
-            </a:stretch>
-          </p:blipFill>
-          <p:spPr>
-            <a:xfrm>
-              <a:off x="915245" y="915245"/>
-              <a:ext cx="5368822" cy="5368822"/>
-            </a:xfrm>
-            <a:prstGeom prst="rect">
-              <a:avLst/>
-            </a:prstGeom>
-            <a:effectLst>
-              <a:innerShdw blurRad="114300">
-                <a:prstClr val="black"/>
-              </a:innerShdw>
-            </a:effectLst>
-          </p:spPr>
-        </p:pic>
-      </p:grpSp>
-    </p:spTree>
-    <p:extLst>
-      <p:ext uri="{BB962C8B-B14F-4D97-AF65-F5344CB8AC3E}">
-        <p14:creationId xmlns:p14="http://schemas.microsoft.com/office/powerpoint/2010/main" val="739014083"/>
-      </p:ext>
-    </p:extLst>
-  </p:cSld>
-  <p:clrMapOvr>
-    <a:masterClrMapping/>
-  </p:clrMapOvr>
-</p:sld>
-</file>
-
-<file path=ppt/slides/slide14.xml><?xml version="1.0" encoding="utf-8"?>
-<p:sld xmlns:a="http://schemas.openxmlformats.org/drawingml/2006/main" xmlns:r="http://schemas.openxmlformats.org/officeDocument/2006/relationships" xmlns:p="http://schemas.openxmlformats.org/presentationml/2006/main">
-  <p:cSld>
-    <p:spTree>
-      <p:nvGrpSpPr>
-        <p:cNvPr id="1" name=""/>
-        <p:cNvGrpSpPr/>
-        <p:nvPr/>
-      </p:nvGrpSpPr>
-      <p:grpSpPr>
-        <a:xfrm>
-          <a:off x="0" y="0"/>
-          <a:ext cx="0" cy="0"/>
-          <a:chOff x="0" y="0"/>
-          <a:chExt cx="0" cy="0"/>
-        </a:xfrm>
-      </p:grpSpPr>
-      <p:grpSp>
-        <p:nvGrpSpPr>
-          <p:cNvPr id="9" name="Group 8">
-            <a:extLst>
-              <a:ext uri="{FF2B5EF4-FFF2-40B4-BE49-F238E27FC236}">
-                <a16:creationId xmlns:a16="http://schemas.microsoft.com/office/drawing/2014/main" id="{8DFAA9CC-D91C-417F-8EAA-2CCC33E6CC14}"/>
-              </a:ext>
-            </a:extLst>
-          </p:cNvPr>
-          <p:cNvGrpSpPr/>
-          <p:nvPr/>
-        </p:nvGrpSpPr>
-        <p:grpSpPr>
-          <a:xfrm>
-            <a:off x="281354" y="164122"/>
-            <a:ext cx="6636604" cy="7035191"/>
-            <a:chOff x="281354" y="164122"/>
-            <a:chExt cx="6636604" cy="7035191"/>
-          </a:xfrm>
-        </p:grpSpPr>
-        <p:pic>
-          <p:nvPicPr>
-            <p:cNvPr id="8" name="Picture 7">
-              <a:extLst>
-                <a:ext uri="{FF2B5EF4-FFF2-40B4-BE49-F238E27FC236}">
-                  <a16:creationId xmlns:a16="http://schemas.microsoft.com/office/drawing/2014/main" id="{C3F1DA84-AFAC-49B8-A001-A3BDDEA4CCE3}"/>
-                </a:ext>
-              </a:extLst>
-            </p:cNvPr>
-            <p:cNvPicPr>
-              <a:picLocks noChangeAspect="1"/>
-            </p:cNvPicPr>
-            <p:nvPr/>
-          </p:nvPicPr>
-          <p:blipFill rotWithShape="1">
-            <a:blip r:embed="rId2">
-              <a:extLst>
-                <a:ext uri="{28A0092B-C50C-407E-A947-70E740481C1C}">
-                  <a14:useLocalDpi xmlns:a14="http://schemas.microsoft.com/office/drawing/2010/main" val="0"/>
-                </a:ext>
-              </a:extLst>
-            </a:blip>
-            <a:srcRect l="17765" t="10206" r="17765" b="4408"/>
-            <a:stretch/>
-          </p:blipFill>
-          <p:spPr>
-            <a:xfrm>
-              <a:off x="281354" y="164122"/>
-              <a:ext cx="6636604" cy="6214573"/>
-            </a:xfrm>
-            <a:prstGeom prst="rect">
-              <a:avLst/>
-            </a:prstGeom>
-            <a:effectLst>
-              <a:innerShdw blurRad="114300">
-                <a:prstClr val="black"/>
-              </a:innerShdw>
-            </a:effectLst>
-          </p:spPr>
-        </p:pic>
-        <p:pic>
-          <p:nvPicPr>
-            <p:cNvPr id="2" name="Picture 1">
-              <a:extLst>
-                <a:ext uri="{FF2B5EF4-FFF2-40B4-BE49-F238E27FC236}">
-                  <a16:creationId xmlns:a16="http://schemas.microsoft.com/office/drawing/2014/main" id="{23407BAB-ADB5-4217-A9B5-4A4A977ECCDC}"/>
-                </a:ext>
-              </a:extLst>
-            </p:cNvPr>
-            <p:cNvPicPr>
-              <a:picLocks noChangeAspect="1"/>
-            </p:cNvPicPr>
-            <p:nvPr/>
-          </p:nvPicPr>
-          <p:blipFill>
-            <a:blip r:embed="rId3">
-              <a:extLst>
-                <a:ext uri="{28A0092B-C50C-407E-A947-70E740481C1C}">
-                  <a14:useLocalDpi xmlns:a14="http://schemas.microsoft.com/office/drawing/2010/main" val="0"/>
-                </a:ext>
-              </a:extLst>
-            </a:blip>
-            <a:stretch>
-              <a:fillRect/>
-            </a:stretch>
-          </p:blipFill>
-          <p:spPr>
-            <a:xfrm>
-              <a:off x="1126758" y="2253517"/>
-              <a:ext cx="4945796" cy="4945796"/>
-            </a:xfrm>
-            <a:prstGeom prst="rect">
-              <a:avLst/>
-            </a:prstGeom>
-            <a:effectLst>
-              <a:innerShdw blurRad="114300">
-                <a:prstClr val="black"/>
-              </a:innerShdw>
-            </a:effectLst>
-          </p:spPr>
-        </p:pic>
-      </p:grpSp>
-    </p:spTree>
-    <p:extLst>
-      <p:ext uri="{BB962C8B-B14F-4D97-AF65-F5344CB8AC3E}">
-        <p14:creationId xmlns:p14="http://schemas.microsoft.com/office/powerpoint/2010/main" val="671413832"/>
-      </p:ext>
-    </p:extLst>
-  </p:cSld>
-  <p:clrMapOvr>
-    <a:masterClrMapping/>
-  </p:clrMapOvr>
-</p:sld>
-</file>
-
-<file path=ppt/slides/slide15.xml><?xml version="1.0" encoding="utf-8"?>
-<p:sld xmlns:a="http://schemas.openxmlformats.org/drawingml/2006/main" xmlns:r="http://schemas.openxmlformats.org/officeDocument/2006/relationships" xmlns:p="http://schemas.openxmlformats.org/presentationml/2006/main">
-  <p:cSld>
-    <p:spTree>
-      <p:nvGrpSpPr>
-        <p:cNvPr id="1" name=""/>
-        <p:cNvGrpSpPr/>
-        <p:nvPr/>
-      </p:nvGrpSpPr>
-      <p:grpSpPr>
-        <a:xfrm>
-          <a:off x="0" y="0"/>
-          <a:ext cx="0" cy="0"/>
-          <a:chOff x="0" y="0"/>
-          <a:chExt cx="0" cy="0"/>
-        </a:xfrm>
-      </p:grpSpPr>
-      <p:grpSp>
-        <p:nvGrpSpPr>
-          <p:cNvPr id="2" name="Group 1">
-            <a:extLst>
-              <a:ext uri="{FF2B5EF4-FFF2-40B4-BE49-F238E27FC236}">
-                <a16:creationId xmlns:a16="http://schemas.microsoft.com/office/drawing/2014/main" id="{084F867A-C372-4B88-B0D3-9896E8407705}"/>
-              </a:ext>
-            </a:extLst>
-          </p:cNvPr>
-          <p:cNvGrpSpPr/>
-          <p:nvPr/>
-        </p:nvGrpSpPr>
-        <p:grpSpPr>
-          <a:xfrm>
-            <a:off x="549306" y="817317"/>
-            <a:ext cx="6171620" cy="5564679"/>
-            <a:chOff x="549306" y="817317"/>
-            <a:chExt cx="6171620" cy="5564679"/>
-          </a:xfrm>
-        </p:grpSpPr>
-        <p:grpSp>
-          <p:nvGrpSpPr>
-            <p:cNvPr id="26" name="Group 25">
-              <a:extLst>
-                <a:ext uri="{FF2B5EF4-FFF2-40B4-BE49-F238E27FC236}">
-                  <a16:creationId xmlns:a16="http://schemas.microsoft.com/office/drawing/2014/main" id="{5BA2E773-63A8-4FC7-A0AA-A112DCC6BB1C}"/>
-                </a:ext>
-              </a:extLst>
-            </p:cNvPr>
-            <p:cNvGrpSpPr/>
-            <p:nvPr/>
-          </p:nvGrpSpPr>
-          <p:grpSpPr>
-            <a:xfrm>
-              <a:off x="549306" y="3502150"/>
-              <a:ext cx="6100700" cy="2879846"/>
-              <a:chOff x="1098613" y="2402732"/>
-              <a:chExt cx="6100700" cy="2879846"/>
-            </a:xfrm>
-          </p:grpSpPr>
-          <p:pic>
-            <p:nvPicPr>
-              <p:cNvPr id="15" name="Picture 4" descr="Html5 Icon Png #364762 - Free Icons Library">
-                <a:extLst>
-                  <a:ext uri="{FF2B5EF4-FFF2-40B4-BE49-F238E27FC236}">
-                    <a16:creationId xmlns:a16="http://schemas.microsoft.com/office/drawing/2014/main" id="{1BB72BED-CFA5-4274-944A-5C17E96A258E}"/>
-                  </a:ext>
-                </a:extLst>
-              </p:cNvPr>
-              <p:cNvPicPr>
-                <a:picLocks noChangeAspect="1" noChangeArrowheads="1"/>
-              </p:cNvPicPr>
-              <p:nvPr/>
-            </p:nvPicPr>
-            <p:blipFill rotWithShape="1">
-              <a:blip r:embed="rId2">
-                <a:extLst>
-                  <a:ext uri="{28A0092B-C50C-407E-A947-70E740481C1C}">
-                    <a14:useLocalDpi xmlns:a14="http://schemas.microsoft.com/office/drawing/2010/main" val="0"/>
-                  </a:ext>
-                </a:extLst>
-              </a:blip>
-              <a:srcRect l="66667" t="20775" b="3805"/>
-              <a:stretch/>
-            </p:blipFill>
-            <p:spPr bwMode="auto">
-              <a:xfrm>
-                <a:off x="1098613" y="2762654"/>
-                <a:ext cx="2520000" cy="2160000"/>
-              </a:xfrm>
-              <a:prstGeom prst="rect">
-                <a:avLst/>
-              </a:prstGeom>
-              <a:effectLst>
-                <a:innerShdw blurRad="114300">
-                  <a:prstClr val="black"/>
-                </a:innerShdw>
-              </a:effectLst>
-              <a:extLst>
-                <a:ext uri="{909E8E84-426E-40DD-AFC4-6F175D3DCCD1}">
-                  <a14:hiddenFill xmlns:a14="http://schemas.microsoft.com/office/drawing/2010/main">
-                    <a:solidFill>
-                      <a:srgbClr val="FFFFFF"/>
-                    </a:solidFill>
-                  </a14:hiddenFill>
-                </a:ext>
-              </a:extLst>
-            </p:spPr>
-          </p:pic>
-          <p:pic>
-            <p:nvPicPr>
-              <p:cNvPr id="2052" name="Picture 4" descr="Html5 Icon Png #364762 - Free Icons Library">
-                <a:extLst>
-                  <a:ext uri="{FF2B5EF4-FFF2-40B4-BE49-F238E27FC236}">
-                    <a16:creationId xmlns:a16="http://schemas.microsoft.com/office/drawing/2014/main" id="{2D29C9D2-7041-4346-9A81-67E20E0E59BB}"/>
-                  </a:ext>
-                </a:extLst>
-              </p:cNvPr>
-              <p:cNvPicPr>
-                <a:picLocks noChangeAspect="1" noChangeArrowheads="1"/>
-              </p:cNvPicPr>
-              <p:nvPr/>
-            </p:nvPicPr>
-            <p:blipFill rotWithShape="1">
-              <a:blip r:embed="rId2">
-                <a:extLst>
-                  <a:ext uri="{28A0092B-C50C-407E-A947-70E740481C1C}">
-                    <a14:useLocalDpi xmlns:a14="http://schemas.microsoft.com/office/drawing/2010/main" val="0"/>
-                  </a:ext>
-                </a:extLst>
-              </a:blip>
-              <a:srcRect l="33333" t="20775" r="33333" b="3804"/>
-              <a:stretch/>
-            </p:blipFill>
-            <p:spPr bwMode="auto">
-              <a:xfrm>
-                <a:off x="4679313" y="2762654"/>
-                <a:ext cx="2520000" cy="2160000"/>
-              </a:xfrm>
-              <a:prstGeom prst="rect">
-                <a:avLst/>
-              </a:prstGeom>
-              <a:effectLst>
-                <a:innerShdw blurRad="114300">
-                  <a:prstClr val="black"/>
-                </a:innerShdw>
-              </a:effectLst>
-              <a:extLst>
-                <a:ext uri="{909E8E84-426E-40DD-AFC4-6F175D3DCCD1}">
-                  <a14:hiddenFill xmlns:a14="http://schemas.microsoft.com/office/drawing/2010/main">
-                    <a:solidFill>
-                      <a:srgbClr val="FFFFFF"/>
-                    </a:solidFill>
-                  </a14:hiddenFill>
-                </a:ext>
-              </a:extLst>
-            </p:spPr>
-          </p:pic>
-          <p:pic>
-            <p:nvPicPr>
-              <p:cNvPr id="11" name="Picture 4" descr="Html5 Icon Png #364762 - Free Icons Library">
-                <a:extLst>
-                  <a:ext uri="{FF2B5EF4-FFF2-40B4-BE49-F238E27FC236}">
-                    <a16:creationId xmlns:a16="http://schemas.microsoft.com/office/drawing/2014/main" id="{051FDA99-68C7-4329-8D22-0149F607658B}"/>
-                  </a:ext>
-                </a:extLst>
-              </p:cNvPr>
-              <p:cNvPicPr>
-                <a:picLocks noChangeAspect="1" noChangeArrowheads="1"/>
-              </p:cNvPicPr>
-              <p:nvPr/>
-            </p:nvPicPr>
-            <p:blipFill rotWithShape="1">
-              <a:blip r:embed="rId2">
-                <a:extLst>
-                  <a:ext uri="{28A0092B-C50C-407E-A947-70E740481C1C}">
-                    <a14:useLocalDpi xmlns:a14="http://schemas.microsoft.com/office/drawing/2010/main" val="0"/>
-                  </a:ext>
-                </a:extLst>
-              </a:blip>
-              <a:srcRect t="20775" r="66667" b="3806"/>
-              <a:stretch/>
-            </p:blipFill>
-            <p:spPr bwMode="auto">
-              <a:xfrm>
-                <a:off x="2469053" y="2402732"/>
-                <a:ext cx="3359820" cy="2879846"/>
-              </a:xfrm>
-              <a:prstGeom prst="rect">
-                <a:avLst/>
-              </a:prstGeom>
-              <a:effectLst>
-                <a:innerShdw blurRad="114300">
-                  <a:prstClr val="black"/>
-                </a:innerShdw>
-              </a:effectLst>
-              <a:extLst>
-                <a:ext uri="{909E8E84-426E-40DD-AFC4-6F175D3DCCD1}">
-                  <a14:hiddenFill xmlns:a14="http://schemas.microsoft.com/office/drawing/2010/main">
-                    <a:solidFill>
-                      <a:srgbClr val="FFFFFF"/>
-                    </a:solidFill>
-                  </a14:hiddenFill>
-                </a:ext>
-              </a:extLst>
-            </p:spPr>
-          </p:pic>
-        </p:grpSp>
-        <p:pic>
-          <p:nvPicPr>
-            <p:cNvPr id="8" name="Picture 2">
-              <a:extLst>
-                <a:ext uri="{FF2B5EF4-FFF2-40B4-BE49-F238E27FC236}">
-                  <a16:creationId xmlns:a16="http://schemas.microsoft.com/office/drawing/2014/main" id="{63257590-8025-4FD4-B33A-502079753C99}"/>
-                </a:ext>
-              </a:extLst>
-            </p:cNvPr>
-            <p:cNvPicPr>
-              <a:picLocks noChangeAspect="1" noChangeArrowheads="1"/>
-            </p:cNvPicPr>
-            <p:nvPr/>
-          </p:nvPicPr>
-          <p:blipFill>
-            <a:blip r:embed="rId3">
-              <a:extLst>
-                <a:ext uri="{28A0092B-C50C-407E-A947-70E740481C1C}">
-                  <a14:useLocalDpi xmlns:a14="http://schemas.microsoft.com/office/drawing/2010/main" val="0"/>
-                </a:ext>
-              </a:extLst>
-            </a:blip>
-            <a:srcRect/>
-            <a:stretch>
-              <a:fillRect/>
-            </a:stretch>
-          </p:blipFill>
-          <p:spPr bwMode="auto">
-            <a:xfrm>
-              <a:off x="2929976" y="817317"/>
-              <a:ext cx="3790950" cy="3790950"/>
-            </a:xfrm>
-            <a:prstGeom prst="rect">
-              <a:avLst/>
-            </a:prstGeom>
-            <a:effectLst>
-              <a:innerShdw blurRad="114300">
-                <a:prstClr val="black"/>
-              </a:innerShdw>
-            </a:effectLst>
-            <a:extLst>
-              <a:ext uri="{909E8E84-426E-40DD-AFC4-6F175D3DCCD1}">
-                <a14:hiddenFill xmlns:a14="http://schemas.microsoft.com/office/drawing/2010/main">
-                  <a:solidFill>
-                    <a:srgbClr val="FFFFFF"/>
-                  </a:solidFill>
-                </a14:hiddenFill>
-              </a:ext>
-            </a:extLst>
-          </p:spPr>
-        </p:pic>
-      </p:grpSp>
-    </p:spTree>
-    <p:extLst>
-      <p:ext uri="{BB962C8B-B14F-4D97-AF65-F5344CB8AC3E}">
-        <p14:creationId xmlns:p14="http://schemas.microsoft.com/office/powerpoint/2010/main" val="436242985"/>
-      </p:ext>
-    </p:extLst>
-  </p:cSld>
-  <p:clrMapOvr>
-    <a:masterClrMapping/>
-  </p:clrMapOvr>
-</p:sld>
-</file>
-
-<file path=ppt/slides/slide16.xml><?xml version="1.0" encoding="utf-8"?>
-<p:sld xmlns:a="http://schemas.openxmlformats.org/drawingml/2006/main" xmlns:r="http://schemas.openxmlformats.org/officeDocument/2006/relationships" xmlns:p="http://schemas.openxmlformats.org/presentationml/2006/main">
-  <p:cSld>
-    <p:spTree>
-      <p:nvGrpSpPr>
-        <p:cNvPr id="1" name=""/>
-        <p:cNvGrpSpPr/>
-        <p:nvPr/>
-      </p:nvGrpSpPr>
-      <p:grpSpPr>
-        <a:xfrm>
-          <a:off x="0" y="0"/>
-          <a:ext cx="0" cy="0"/>
-          <a:chOff x="0" y="0"/>
-          <a:chExt cx="0" cy="0"/>
-        </a:xfrm>
-      </p:grpSpPr>
-      <p:grpSp>
-        <p:nvGrpSpPr>
-          <p:cNvPr id="4" name="Group 3">
-            <a:extLst>
-              <a:ext uri="{FF2B5EF4-FFF2-40B4-BE49-F238E27FC236}">
-                <a16:creationId xmlns:a16="http://schemas.microsoft.com/office/drawing/2014/main" id="{A0DDDE1B-0A0E-49F0-B506-56DC7CD246D3}"/>
-              </a:ext>
-            </a:extLst>
-          </p:cNvPr>
-          <p:cNvGrpSpPr/>
-          <p:nvPr/>
-        </p:nvGrpSpPr>
-        <p:grpSpPr>
-          <a:xfrm>
-            <a:off x="1009123" y="944686"/>
-            <a:ext cx="4513470" cy="5388020"/>
-            <a:chOff x="1009123" y="944686"/>
-            <a:chExt cx="4513470" cy="5388020"/>
-          </a:xfrm>
-        </p:grpSpPr>
-        <p:grpSp>
-          <p:nvGrpSpPr>
-            <p:cNvPr id="3" name="Group 2">
-              <a:extLst>
-                <a:ext uri="{FF2B5EF4-FFF2-40B4-BE49-F238E27FC236}">
-                  <a16:creationId xmlns:a16="http://schemas.microsoft.com/office/drawing/2014/main" id="{1DB49FB6-99F6-4635-92C6-578CEA977956}"/>
-                </a:ext>
-              </a:extLst>
-            </p:cNvPr>
-            <p:cNvGrpSpPr/>
-            <p:nvPr/>
-          </p:nvGrpSpPr>
-          <p:grpSpPr>
-            <a:xfrm>
-              <a:off x="1389123" y="2789731"/>
-              <a:ext cx="4133470" cy="3542975"/>
-              <a:chOff x="1340483" y="2789731"/>
-              <a:chExt cx="4449766" cy="3814086"/>
-            </a:xfrm>
-          </p:grpSpPr>
-          <p:pic>
-            <p:nvPicPr>
-              <p:cNvPr id="11" name="Picture 4">
-                <a:extLst>
-                  <a:ext uri="{FF2B5EF4-FFF2-40B4-BE49-F238E27FC236}">
-                    <a16:creationId xmlns:a16="http://schemas.microsoft.com/office/drawing/2014/main" id="{051FDA99-68C7-4329-8D22-0149F607658B}"/>
-                  </a:ext>
-                </a:extLst>
-              </p:cNvPr>
-              <p:cNvPicPr>
-                <a:picLocks noChangeAspect="1" noChangeArrowheads="1"/>
-              </p:cNvPicPr>
-              <p:nvPr/>
-            </p:nvPicPr>
-            <p:blipFill rotWithShape="1">
-              <a:blip r:embed="rId2">
-                <a:extLst>
-                  <a:ext uri="{28A0092B-C50C-407E-A947-70E740481C1C}">
-                    <a14:useLocalDpi xmlns:a14="http://schemas.microsoft.com/office/drawing/2010/main" val="0"/>
-                  </a:ext>
-                </a:extLst>
-              </a:blip>
-              <a:srcRect l="-16220" t="-6760" r="-16220" b="-6760"/>
-              <a:stretch/>
-            </p:blipFill>
-            <p:spPr bwMode="auto">
-              <a:xfrm>
-                <a:off x="1340483" y="2789731"/>
-                <a:ext cx="4449766" cy="3814086"/>
-              </a:xfrm>
-              <a:prstGeom prst="rect">
-                <a:avLst/>
-              </a:prstGeom>
-              <a:effectLst>
-                <a:innerShdw blurRad="114300">
-                  <a:prstClr val="black"/>
-                </a:innerShdw>
-              </a:effectLst>
-              <a:extLst>
-                <a:ext uri="{909E8E84-426E-40DD-AFC4-6F175D3DCCD1}">
-                  <a14:hiddenFill xmlns:a14="http://schemas.microsoft.com/office/drawing/2010/main">
-                    <a:solidFill>
-                      <a:srgbClr val="FFFFFF"/>
-                    </a:solidFill>
-                  </a14:hiddenFill>
-                </a:ext>
-              </a:extLst>
-            </p:spPr>
-          </p:pic>
-          <p:sp>
-            <p:nvSpPr>
-              <p:cNvPr id="2" name="TextBox 1">
-                <a:extLst>
-                  <a:ext uri="{FF2B5EF4-FFF2-40B4-BE49-F238E27FC236}">
-                    <a16:creationId xmlns:a16="http://schemas.microsoft.com/office/drawing/2014/main" id="{0D37202F-FFCD-4AC6-8E51-8ECB95A35083}"/>
-                  </a:ext>
-                </a:extLst>
-              </p:cNvPr>
-              <p:cNvSpPr txBox="1"/>
-              <p:nvPr/>
-            </p:nvSpPr>
-            <p:spPr>
-              <a:xfrm>
-                <a:off x="4163438" y="4870467"/>
-                <a:ext cx="437940" cy="1200329"/>
-              </a:xfrm>
-              <a:prstGeom prst="rect">
-                <a:avLst/>
-              </a:prstGeom>
-              <a:noFill/>
-            </p:spPr>
-            <p:txBody>
-              <a:bodyPr wrap="none" rtlCol="0">
-                <a:spAutoFit/>
-              </a:bodyPr>
-              <a:lstStyle/>
-              <a:p>
-                <a:r>
-                  <a:rPr lang="en-US" sz="7200" b="1" dirty="0">
-                    <a:solidFill>
-                      <a:srgbClr val="4D4C4A"/>
-                    </a:solidFill>
-                    <a:latin typeface="Heebo" panose="00000500000000000000" pitchFamily="2" charset="-79"/>
-                    <a:cs typeface="Heebo" panose="00000500000000000000" pitchFamily="2" charset="-79"/>
-                  </a:rPr>
-                  <a:t>!</a:t>
-                </a:r>
-              </a:p>
-            </p:txBody>
-          </p:sp>
-        </p:grpSp>
-        <p:pic>
-          <p:nvPicPr>
-            <p:cNvPr id="13" name="Picture 12">
-              <a:extLst>
-                <a:ext uri="{FF2B5EF4-FFF2-40B4-BE49-F238E27FC236}">
-                  <a16:creationId xmlns:a16="http://schemas.microsoft.com/office/drawing/2014/main" id="{E7A0B66F-7545-4DCF-96DD-B3E1CCF3AC94}"/>
-                </a:ext>
-              </a:extLst>
-            </p:cNvPr>
-            <p:cNvPicPr>
-              <a:picLocks noChangeAspect="1"/>
-            </p:cNvPicPr>
-            <p:nvPr/>
-          </p:nvPicPr>
-          <p:blipFill>
-            <a:blip r:embed="rId3">
-              <a:extLst>
-                <a:ext uri="{28A0092B-C50C-407E-A947-70E740481C1C}">
-                  <a14:useLocalDpi xmlns:a14="http://schemas.microsoft.com/office/drawing/2010/main" val="0"/>
-                </a:ext>
-              </a:extLst>
-            </a:blip>
-            <a:stretch>
-              <a:fillRect/>
-            </a:stretch>
-          </p:blipFill>
-          <p:spPr>
-            <a:xfrm>
-              <a:off x="1009123" y="944686"/>
-              <a:ext cx="3242059" cy="3242059"/>
-            </a:xfrm>
-            <a:prstGeom prst="rect">
-              <a:avLst/>
-            </a:prstGeom>
-            <a:effectLst>
-              <a:innerShdw blurRad="114300">
-                <a:prstClr val="black"/>
-              </a:innerShdw>
-            </a:effectLst>
-          </p:spPr>
-        </p:pic>
-      </p:grpSp>
-    </p:spTree>
-    <p:extLst>
-      <p:ext uri="{BB962C8B-B14F-4D97-AF65-F5344CB8AC3E}">
-        <p14:creationId xmlns:p14="http://schemas.microsoft.com/office/powerpoint/2010/main" val="1171482568"/>
-      </p:ext>
-    </p:extLst>
-  </p:cSld>
-  <p:clrMapOvr>
-    <a:masterClrMapping/>
-  </p:clrMapOvr>
-</p:sld>
-</file>
-
 <file path=ppt/slides/slide2.xml><?xml version="1.0" encoding="utf-8"?>
 <p:sld xmlns:a="http://schemas.openxmlformats.org/drawingml/2006/main" xmlns:r="http://schemas.openxmlformats.org/officeDocument/2006/relationships" xmlns:p="http://schemas.openxmlformats.org/presentationml/2006/main">
   <p:cSld>
